--- a/图.pptx
+++ b/图.pptx
@@ -6,9 +6,11 @@
   </p:sldMasterIdLst>
   <p:sldIdLst>
     <p:sldId id="257" r:id="rId2"/>
-    <p:sldId id="258" r:id="rId3"/>
-    <p:sldId id="259" r:id="rId4"/>
-    <p:sldId id="260" r:id="rId5"/>
+    <p:sldId id="261" r:id="rId3"/>
+    <p:sldId id="262" r:id="rId4"/>
+    <p:sldId id="258" r:id="rId5"/>
+    <p:sldId id="259" r:id="rId6"/>
+    <p:sldId id="260" r:id="rId7"/>
   </p:sldIdLst>
   <p:sldSz cx="12192000" cy="6858000"/>
   <p:notesSz cx="6858000" cy="9144000"/>
@@ -107,6 +109,11 @@
       </a:defRPr>
     </a:lvl9pPr>
   </p:defaultTextStyle>
+  <p:extLst>
+    <p:ext uri="{EFAFB233-063F-42B5-8137-9DF3F51BA10A}">
+      <p15:sldGuideLst xmlns:p15="http://schemas.microsoft.com/office/powerpoint/2012/main"/>
+    </p:ext>
+  </p:extLst>
 </p:presentation>
 </file>
 
@@ -257,7 +264,7 @@
           <a:p>
             <a:fld id="{19678A50-A04D-B34C-950B-82615CC9CAA4}" type="datetimeFigureOut">
               <a:rPr kumimoji="1" lang="zh-CN" altLang="en-US" smtClean="0"/>
-              <a:t>2020/7/24</a:t>
+              <a:t>2020/7/29</a:t>
             </a:fld>
             <a:endParaRPr kumimoji="1" lang="zh-CN" altLang="en-US"/>
           </a:p>
@@ -455,7 +462,7 @@
           <a:p>
             <a:fld id="{19678A50-A04D-B34C-950B-82615CC9CAA4}" type="datetimeFigureOut">
               <a:rPr kumimoji="1" lang="zh-CN" altLang="en-US" smtClean="0"/>
-              <a:t>2020/7/24</a:t>
+              <a:t>2020/7/29</a:t>
             </a:fld>
             <a:endParaRPr kumimoji="1" lang="zh-CN" altLang="en-US"/>
           </a:p>
@@ -663,7 +670,7 @@
           <a:p>
             <a:fld id="{19678A50-A04D-B34C-950B-82615CC9CAA4}" type="datetimeFigureOut">
               <a:rPr kumimoji="1" lang="zh-CN" altLang="en-US" smtClean="0"/>
-              <a:t>2020/7/24</a:t>
+              <a:t>2020/7/29</a:t>
             </a:fld>
             <a:endParaRPr kumimoji="1" lang="zh-CN" altLang="en-US"/>
           </a:p>
@@ -861,7 +868,7 @@
           <a:p>
             <a:fld id="{19678A50-A04D-B34C-950B-82615CC9CAA4}" type="datetimeFigureOut">
               <a:rPr kumimoji="1" lang="zh-CN" altLang="en-US" smtClean="0"/>
-              <a:t>2020/7/24</a:t>
+              <a:t>2020/7/29</a:t>
             </a:fld>
             <a:endParaRPr kumimoji="1" lang="zh-CN" altLang="en-US"/>
           </a:p>
@@ -1136,7 +1143,7 @@
           <a:p>
             <a:fld id="{19678A50-A04D-B34C-950B-82615CC9CAA4}" type="datetimeFigureOut">
               <a:rPr kumimoji="1" lang="zh-CN" altLang="en-US" smtClean="0"/>
-              <a:t>2020/7/24</a:t>
+              <a:t>2020/7/29</a:t>
             </a:fld>
             <a:endParaRPr kumimoji="1" lang="zh-CN" altLang="en-US"/>
           </a:p>
@@ -1401,7 +1408,7 @@
           <a:p>
             <a:fld id="{19678A50-A04D-B34C-950B-82615CC9CAA4}" type="datetimeFigureOut">
               <a:rPr kumimoji="1" lang="zh-CN" altLang="en-US" smtClean="0"/>
-              <a:t>2020/7/24</a:t>
+              <a:t>2020/7/29</a:t>
             </a:fld>
             <a:endParaRPr kumimoji="1" lang="zh-CN" altLang="en-US"/>
           </a:p>
@@ -1813,7 +1820,7 @@
           <a:p>
             <a:fld id="{19678A50-A04D-B34C-950B-82615CC9CAA4}" type="datetimeFigureOut">
               <a:rPr kumimoji="1" lang="zh-CN" altLang="en-US" smtClean="0"/>
-              <a:t>2020/7/24</a:t>
+              <a:t>2020/7/29</a:t>
             </a:fld>
             <a:endParaRPr kumimoji="1" lang="zh-CN" altLang="en-US"/>
           </a:p>
@@ -1954,7 +1961,7 @@
           <a:p>
             <a:fld id="{19678A50-A04D-B34C-950B-82615CC9CAA4}" type="datetimeFigureOut">
               <a:rPr kumimoji="1" lang="zh-CN" altLang="en-US" smtClean="0"/>
-              <a:t>2020/7/24</a:t>
+              <a:t>2020/7/29</a:t>
             </a:fld>
             <a:endParaRPr kumimoji="1" lang="zh-CN" altLang="en-US"/>
           </a:p>
@@ -2067,7 +2074,7 @@
           <a:p>
             <a:fld id="{19678A50-A04D-B34C-950B-82615CC9CAA4}" type="datetimeFigureOut">
               <a:rPr kumimoji="1" lang="zh-CN" altLang="en-US" smtClean="0"/>
-              <a:t>2020/7/24</a:t>
+              <a:t>2020/7/29</a:t>
             </a:fld>
             <a:endParaRPr kumimoji="1" lang="zh-CN" altLang="en-US"/>
           </a:p>
@@ -2378,7 +2385,7 @@
           <a:p>
             <a:fld id="{19678A50-A04D-B34C-950B-82615CC9CAA4}" type="datetimeFigureOut">
               <a:rPr kumimoji="1" lang="zh-CN" altLang="en-US" smtClean="0"/>
-              <a:t>2020/7/24</a:t>
+              <a:t>2020/7/29</a:t>
             </a:fld>
             <a:endParaRPr kumimoji="1" lang="zh-CN" altLang="en-US"/>
           </a:p>
@@ -2666,7 +2673,7 @@
           <a:p>
             <a:fld id="{19678A50-A04D-B34C-950B-82615CC9CAA4}" type="datetimeFigureOut">
               <a:rPr kumimoji="1" lang="zh-CN" altLang="en-US" smtClean="0"/>
-              <a:t>2020/7/24</a:t>
+              <a:t>2020/7/29</a:t>
             </a:fld>
             <a:endParaRPr kumimoji="1" lang="zh-CN" altLang="en-US"/>
           </a:p>
@@ -2907,7 +2914,7 @@
           <a:p>
             <a:fld id="{19678A50-A04D-B34C-950B-82615CC9CAA4}" type="datetimeFigureOut">
               <a:rPr kumimoji="1" lang="zh-CN" altLang="en-US" smtClean="0"/>
-              <a:t>2020/7/24</a:t>
+              <a:t>2020/7/29</a:t>
             </a:fld>
             <a:endParaRPr kumimoji="1" lang="zh-CN" altLang="en-US"/>
           </a:p>
@@ -3370,7 +3377,7 @@
             <a:blip r:embed="rId2">
               <a:extLst>
                 <a:ext uri="{96DAC541-7B7A-43D3-8B79-37D633B846F1}">
-                  <asvg:svgBlip xmlns:asvg="http://schemas.microsoft.com/office/drawing/2016/SVG/main" r:embed="rId3"/>
+                  <asvg:svgBlip xmlns:asvg="http://schemas.microsoft.com/office/drawing/2016/SVG/main" xmlns="" r:embed="rId3"/>
                 </a:ext>
               </a:extLst>
             </a:blip>
@@ -3547,6 +3554,1869 @@
       </p:grpSpPr>
       <p:grpSp>
         <p:nvGrpSpPr>
+          <p:cNvPr id="12" name="组合 11">
+            <a:extLst>
+              <a:ext uri="{FF2B5EF4-FFF2-40B4-BE49-F238E27FC236}">
+                <a16:creationId xmlns:a16="http://schemas.microsoft.com/office/drawing/2014/main" id="{33AA2E62-398D-DE4C-B2DF-D5D273268D70}"/>
+              </a:ext>
+            </a:extLst>
+          </p:cNvPr>
+          <p:cNvGrpSpPr/>
+          <p:nvPr/>
+        </p:nvGrpSpPr>
+        <p:grpSpPr>
+          <a:xfrm>
+            <a:off x="1961055" y="799615"/>
+            <a:ext cx="3697412" cy="1174447"/>
+            <a:chOff x="1865521" y="2764893"/>
+            <a:chExt cx="3697412" cy="1174447"/>
+          </a:xfrm>
+        </p:grpSpPr>
+        <p:pic>
+          <p:nvPicPr>
+            <p:cNvPr id="5" name="图形 4" descr="用户">
+              <a:extLst>
+                <a:ext uri="{FF2B5EF4-FFF2-40B4-BE49-F238E27FC236}">
+                  <a16:creationId xmlns:a16="http://schemas.microsoft.com/office/drawing/2014/main" id="{846A5676-4693-AB4D-8F88-7422B15695DB}"/>
+                </a:ext>
+              </a:extLst>
+            </p:cNvPr>
+            <p:cNvPicPr>
+              <a:picLocks noChangeAspect="1"/>
+            </p:cNvPicPr>
+            <p:nvPr/>
+          </p:nvPicPr>
+          <p:blipFill>
+            <a:blip r:embed="rId2">
+              <a:extLst>
+                <a:ext uri="{96DAC541-7B7A-43D3-8B79-37D633B846F1}">
+                  <asvg:svgBlip xmlns:asvg="http://schemas.microsoft.com/office/drawing/2016/SVG/main" xmlns="" r:embed="rId3"/>
+                </a:ext>
+              </a:extLst>
+            </a:blip>
+            <a:stretch>
+              <a:fillRect/>
+            </a:stretch>
+          </p:blipFill>
+          <p:spPr>
+            <a:xfrm>
+              <a:off x="1865521" y="2764893"/>
+              <a:ext cx="1174447" cy="1174447"/>
+            </a:xfrm>
+            <a:prstGeom prst="rect">
+              <a:avLst/>
+            </a:prstGeom>
+          </p:spPr>
+        </p:pic>
+        <p:cxnSp>
+          <p:nvCxnSpPr>
+            <p:cNvPr id="8" name="直线箭头连接符 7">
+              <a:extLst>
+                <a:ext uri="{FF2B5EF4-FFF2-40B4-BE49-F238E27FC236}">
+                  <a16:creationId xmlns:a16="http://schemas.microsoft.com/office/drawing/2014/main" id="{07381B28-00C3-634B-96AB-24002CF7D6B3}"/>
+                </a:ext>
+              </a:extLst>
+            </p:cNvPr>
+            <p:cNvCxnSpPr>
+              <a:cxnSpLocks/>
+              <a:stCxn id="5" idx="3"/>
+              <a:endCxn id="3" idx="2"/>
+            </p:cNvCxnSpPr>
+            <p:nvPr/>
+          </p:nvCxnSpPr>
+          <p:spPr>
+            <a:xfrm>
+              <a:off x="3039968" y="3352117"/>
+              <a:ext cx="2522965" cy="1"/>
+            </a:xfrm>
+            <a:prstGeom prst="straightConnector1">
+              <a:avLst/>
+            </a:prstGeom>
+            <a:ln>
+              <a:tailEnd type="triangle"/>
+            </a:ln>
+          </p:spPr>
+          <p:style>
+            <a:lnRef idx="3">
+              <a:schemeClr val="dk1"/>
+            </a:lnRef>
+            <a:fillRef idx="0">
+              <a:schemeClr val="dk1"/>
+            </a:fillRef>
+            <a:effectRef idx="2">
+              <a:schemeClr val="dk1"/>
+            </a:effectRef>
+            <a:fontRef idx="minor">
+              <a:schemeClr val="tx1"/>
+            </a:fontRef>
+          </p:style>
+        </p:cxnSp>
+        <p:sp>
+          <p:nvSpPr>
+            <p:cNvPr id="11" name="文本框 10">
+              <a:extLst>
+                <a:ext uri="{FF2B5EF4-FFF2-40B4-BE49-F238E27FC236}">
+                  <a16:creationId xmlns:a16="http://schemas.microsoft.com/office/drawing/2014/main" id="{AD800DD7-A5A4-784A-851E-7120E11B81D5}"/>
+                </a:ext>
+              </a:extLst>
+            </p:cNvPr>
+            <p:cNvSpPr txBox="1"/>
+            <p:nvPr/>
+          </p:nvSpPr>
+          <p:spPr>
+            <a:xfrm>
+              <a:off x="3950355" y="2950117"/>
+              <a:ext cx="646331" cy="369332"/>
+            </a:xfrm>
+            <a:prstGeom prst="rect">
+              <a:avLst/>
+            </a:prstGeom>
+            <a:noFill/>
+          </p:spPr>
+          <p:txBody>
+            <a:bodyPr wrap="none" rtlCol="0">
+              <a:spAutoFit/>
+            </a:bodyPr>
+            <a:lstStyle/>
+            <a:p>
+              <a:r>
+                <a:rPr kumimoji="1" lang="zh-CN" altLang="en-US" dirty="0"/>
+                <a:t>查询</a:t>
+              </a:r>
+            </a:p>
+          </p:txBody>
+        </p:sp>
+      </p:grpSp>
+      <p:sp>
+        <p:nvSpPr>
+          <p:cNvPr id="3" name="椭圆 2"/>
+          <p:cNvSpPr/>
+          <p:nvPr/>
+        </p:nvSpPr>
+        <p:spPr>
+          <a:xfrm>
+            <a:off x="5658467" y="908562"/>
+            <a:ext cx="1709741" cy="956555"/>
+          </a:xfrm>
+          <a:prstGeom prst="ellipse">
+            <a:avLst/>
+          </a:prstGeom>
+        </p:spPr>
+        <p:style>
+          <a:lnRef idx="2">
+            <a:schemeClr val="accent1">
+              <a:shade val="50000"/>
+            </a:schemeClr>
+          </a:lnRef>
+          <a:fillRef idx="1">
+            <a:schemeClr val="accent1"/>
+          </a:fillRef>
+          <a:effectRef idx="0">
+            <a:schemeClr val="accent1"/>
+          </a:effectRef>
+          <a:fontRef idx="minor">
+            <a:schemeClr val="lt1"/>
+          </a:fontRef>
+        </p:style>
+        <p:txBody>
+          <a:bodyPr rtlCol="0" anchor="ctr"/>
+          <a:lstStyle/>
+          <a:p>
+            <a:pPr algn="ctr"/>
+            <a:r>
+              <a:rPr lang="zh-CN" altLang="en-US" dirty="0" smtClean="0"/>
+              <a:t>网关鉴权</a:t>
+            </a:r>
+            <a:endParaRPr lang="zh-CN" altLang="en-US" dirty="0"/>
+          </a:p>
+        </p:txBody>
+      </p:sp>
+      <p:sp>
+        <p:nvSpPr>
+          <p:cNvPr id="4" name="矩形 3"/>
+          <p:cNvSpPr/>
+          <p:nvPr/>
+        </p:nvSpPr>
+        <p:spPr>
+          <a:xfrm>
+            <a:off x="3084265" y="2784143"/>
+            <a:ext cx="1497612" cy="777923"/>
+          </a:xfrm>
+          <a:prstGeom prst="rect">
+            <a:avLst/>
+          </a:prstGeom>
+        </p:spPr>
+        <p:style>
+          <a:lnRef idx="2">
+            <a:schemeClr val="accent1">
+              <a:shade val="50000"/>
+            </a:schemeClr>
+          </a:lnRef>
+          <a:fillRef idx="1">
+            <a:schemeClr val="accent1"/>
+          </a:fillRef>
+          <a:effectRef idx="0">
+            <a:schemeClr val="accent1"/>
+          </a:effectRef>
+          <a:fontRef idx="minor">
+            <a:schemeClr val="lt1"/>
+          </a:fontRef>
+        </p:style>
+        <p:txBody>
+          <a:bodyPr rtlCol="0" anchor="ctr"/>
+          <a:lstStyle/>
+          <a:p>
+            <a:pPr algn="ctr"/>
+            <a:r>
+              <a:rPr lang="en-US" altLang="zh-CN" dirty="0" smtClean="0"/>
+              <a:t>Trade </a:t>
+            </a:r>
+            <a:r>
+              <a:rPr lang="zh-CN" altLang="en-US" dirty="0" smtClean="0"/>
+              <a:t>服务</a:t>
+            </a:r>
+            <a:endParaRPr lang="zh-CN" altLang="en-US" dirty="0"/>
+          </a:p>
+        </p:txBody>
+      </p:sp>
+      <p:sp>
+        <p:nvSpPr>
+          <p:cNvPr id="7" name="圆角矩形 6"/>
+          <p:cNvSpPr/>
+          <p:nvPr/>
+        </p:nvSpPr>
+        <p:spPr>
+          <a:xfrm>
+            <a:off x="3297084" y="4159153"/>
+            <a:ext cx="1071971" cy="682389"/>
+          </a:xfrm>
+          <a:prstGeom prst="roundRect">
+            <a:avLst/>
+          </a:prstGeom>
+        </p:spPr>
+        <p:style>
+          <a:lnRef idx="2">
+            <a:schemeClr val="accent1">
+              <a:shade val="50000"/>
+            </a:schemeClr>
+          </a:lnRef>
+          <a:fillRef idx="1">
+            <a:schemeClr val="accent1"/>
+          </a:fillRef>
+          <a:effectRef idx="0">
+            <a:schemeClr val="accent1"/>
+          </a:effectRef>
+          <a:fontRef idx="minor">
+            <a:schemeClr val="lt1"/>
+          </a:fontRef>
+        </p:style>
+        <p:txBody>
+          <a:bodyPr rtlCol="0" anchor="ctr"/>
+          <a:lstStyle/>
+          <a:p>
+            <a:pPr algn="ctr"/>
+            <a:r>
+              <a:rPr lang="en-US" altLang="zh-CN" dirty="0"/>
+              <a:t>cache</a:t>
+            </a:r>
+            <a:endParaRPr lang="zh-CN" altLang="en-US" dirty="0"/>
+          </a:p>
+        </p:txBody>
+      </p:sp>
+      <p:sp>
+        <p:nvSpPr>
+          <p:cNvPr id="9" name="流程图: 磁盘 8"/>
+          <p:cNvSpPr/>
+          <p:nvPr/>
+        </p:nvSpPr>
+        <p:spPr>
+          <a:xfrm>
+            <a:off x="3190672" y="5411334"/>
+            <a:ext cx="1284793" cy="736979"/>
+          </a:xfrm>
+          <a:prstGeom prst="flowChartMagneticDisk">
+            <a:avLst/>
+          </a:prstGeom>
+        </p:spPr>
+        <p:style>
+          <a:lnRef idx="2">
+            <a:schemeClr val="accent1">
+              <a:shade val="50000"/>
+            </a:schemeClr>
+          </a:lnRef>
+          <a:fillRef idx="1">
+            <a:schemeClr val="accent1"/>
+          </a:fillRef>
+          <a:effectRef idx="0">
+            <a:schemeClr val="accent1"/>
+          </a:effectRef>
+          <a:fontRef idx="minor">
+            <a:schemeClr val="lt1"/>
+          </a:fontRef>
+        </p:style>
+        <p:txBody>
+          <a:bodyPr rtlCol="0" anchor="ctr"/>
+          <a:lstStyle/>
+          <a:p>
+            <a:pPr algn="ctr"/>
+            <a:r>
+              <a:rPr lang="en-US" altLang="zh-CN" dirty="0" smtClean="0"/>
+              <a:t>DB</a:t>
+            </a:r>
+            <a:endParaRPr lang="zh-CN" altLang="en-US" dirty="0"/>
+          </a:p>
+        </p:txBody>
+      </p:sp>
+      <p:cxnSp>
+        <p:nvCxnSpPr>
+          <p:cNvPr id="13" name="直接箭头连接符 12"/>
+          <p:cNvCxnSpPr>
+            <a:stCxn id="3" idx="4"/>
+            <a:endCxn id="4" idx="0"/>
+          </p:cNvCxnSpPr>
+          <p:nvPr/>
+        </p:nvCxnSpPr>
+        <p:spPr>
+          <a:xfrm flipH="1">
+            <a:off x="3833071" y="1865117"/>
+            <a:ext cx="2680267" cy="919026"/>
+          </a:xfrm>
+          <a:prstGeom prst="straightConnector1">
+            <a:avLst/>
+          </a:prstGeom>
+          <a:ln>
+            <a:tailEnd type="triangle"/>
+          </a:ln>
+        </p:spPr>
+        <p:style>
+          <a:lnRef idx="1">
+            <a:schemeClr val="accent1"/>
+          </a:lnRef>
+          <a:fillRef idx="0">
+            <a:schemeClr val="accent1"/>
+          </a:fillRef>
+          <a:effectRef idx="0">
+            <a:schemeClr val="accent1"/>
+          </a:effectRef>
+          <a:fontRef idx="minor">
+            <a:schemeClr val="tx1"/>
+          </a:fontRef>
+        </p:style>
+      </p:cxnSp>
+      <p:cxnSp>
+        <p:nvCxnSpPr>
+          <p:cNvPr id="15" name="直接箭头连接符 14"/>
+          <p:cNvCxnSpPr>
+            <a:stCxn id="4" idx="2"/>
+            <a:endCxn id="7" idx="0"/>
+          </p:cNvCxnSpPr>
+          <p:nvPr/>
+        </p:nvCxnSpPr>
+        <p:spPr>
+          <a:xfrm flipH="1">
+            <a:off x="3833070" y="3562066"/>
+            <a:ext cx="1" cy="597087"/>
+          </a:xfrm>
+          <a:prstGeom prst="straightConnector1">
+            <a:avLst/>
+          </a:prstGeom>
+          <a:ln>
+            <a:tailEnd type="triangle"/>
+          </a:ln>
+        </p:spPr>
+        <p:style>
+          <a:lnRef idx="1">
+            <a:schemeClr val="accent1"/>
+          </a:lnRef>
+          <a:fillRef idx="0">
+            <a:schemeClr val="accent1"/>
+          </a:fillRef>
+          <a:effectRef idx="0">
+            <a:schemeClr val="accent1"/>
+          </a:effectRef>
+          <a:fontRef idx="minor">
+            <a:schemeClr val="tx1"/>
+          </a:fontRef>
+        </p:style>
+      </p:cxnSp>
+      <p:cxnSp>
+        <p:nvCxnSpPr>
+          <p:cNvPr id="17" name="直接箭头连接符 16"/>
+          <p:cNvCxnSpPr>
+            <a:stCxn id="7" idx="2"/>
+            <a:endCxn id="9" idx="1"/>
+          </p:cNvCxnSpPr>
+          <p:nvPr/>
+        </p:nvCxnSpPr>
+        <p:spPr>
+          <a:xfrm flipH="1">
+            <a:off x="3833069" y="4841542"/>
+            <a:ext cx="1" cy="569792"/>
+          </a:xfrm>
+          <a:prstGeom prst="straightConnector1">
+            <a:avLst/>
+          </a:prstGeom>
+          <a:ln>
+            <a:tailEnd type="triangle"/>
+          </a:ln>
+        </p:spPr>
+        <p:style>
+          <a:lnRef idx="1">
+            <a:schemeClr val="accent1"/>
+          </a:lnRef>
+          <a:fillRef idx="0">
+            <a:schemeClr val="accent1"/>
+          </a:fillRef>
+          <a:effectRef idx="0">
+            <a:schemeClr val="accent1"/>
+          </a:effectRef>
+          <a:fontRef idx="minor">
+            <a:schemeClr val="tx1"/>
+          </a:fontRef>
+        </p:style>
+      </p:cxnSp>
+      <p:sp>
+        <p:nvSpPr>
+          <p:cNvPr id="19" name="矩形 18"/>
+          <p:cNvSpPr/>
+          <p:nvPr/>
+        </p:nvSpPr>
+        <p:spPr>
+          <a:xfrm>
+            <a:off x="4905040" y="2784143"/>
+            <a:ext cx="1497612" cy="777923"/>
+          </a:xfrm>
+          <a:prstGeom prst="rect">
+            <a:avLst/>
+          </a:prstGeom>
+        </p:spPr>
+        <p:style>
+          <a:lnRef idx="2">
+            <a:schemeClr val="accent1">
+              <a:shade val="50000"/>
+            </a:schemeClr>
+          </a:lnRef>
+          <a:fillRef idx="1">
+            <a:schemeClr val="accent1"/>
+          </a:fillRef>
+          <a:effectRef idx="0">
+            <a:schemeClr val="accent1"/>
+          </a:effectRef>
+          <a:fontRef idx="minor">
+            <a:schemeClr val="lt1"/>
+          </a:fontRef>
+        </p:style>
+        <p:txBody>
+          <a:bodyPr rtlCol="0" anchor="ctr"/>
+          <a:lstStyle/>
+          <a:p>
+            <a:pPr algn="ctr"/>
+            <a:r>
+              <a:rPr lang="en-US" altLang="zh-CN" dirty="0" smtClean="0"/>
+              <a:t>Trade </a:t>
+            </a:r>
+            <a:r>
+              <a:rPr lang="zh-CN" altLang="en-US" dirty="0" smtClean="0"/>
+              <a:t>服务</a:t>
+            </a:r>
+            <a:endParaRPr lang="zh-CN" altLang="en-US" dirty="0"/>
+          </a:p>
+        </p:txBody>
+      </p:sp>
+      <p:sp>
+        <p:nvSpPr>
+          <p:cNvPr id="20" name="圆角矩形 19"/>
+          <p:cNvSpPr/>
+          <p:nvPr/>
+        </p:nvSpPr>
+        <p:spPr>
+          <a:xfrm>
+            <a:off x="5117859" y="4159153"/>
+            <a:ext cx="1071971" cy="682389"/>
+          </a:xfrm>
+          <a:prstGeom prst="roundRect">
+            <a:avLst/>
+          </a:prstGeom>
+        </p:spPr>
+        <p:style>
+          <a:lnRef idx="2">
+            <a:schemeClr val="accent1">
+              <a:shade val="50000"/>
+            </a:schemeClr>
+          </a:lnRef>
+          <a:fillRef idx="1">
+            <a:schemeClr val="accent1"/>
+          </a:fillRef>
+          <a:effectRef idx="0">
+            <a:schemeClr val="accent1"/>
+          </a:effectRef>
+          <a:fontRef idx="minor">
+            <a:schemeClr val="lt1"/>
+          </a:fontRef>
+        </p:style>
+        <p:txBody>
+          <a:bodyPr rtlCol="0" anchor="ctr"/>
+          <a:lstStyle/>
+          <a:p>
+            <a:pPr algn="ctr"/>
+            <a:r>
+              <a:rPr lang="en-US" altLang="zh-CN" dirty="0"/>
+              <a:t>cache</a:t>
+            </a:r>
+            <a:endParaRPr lang="zh-CN" altLang="en-US" dirty="0"/>
+          </a:p>
+        </p:txBody>
+      </p:sp>
+      <p:sp>
+        <p:nvSpPr>
+          <p:cNvPr id="21" name="流程图: 磁盘 20"/>
+          <p:cNvSpPr/>
+          <p:nvPr/>
+        </p:nvSpPr>
+        <p:spPr>
+          <a:xfrm>
+            <a:off x="5011447" y="5411334"/>
+            <a:ext cx="1284793" cy="736979"/>
+          </a:xfrm>
+          <a:prstGeom prst="flowChartMagneticDisk">
+            <a:avLst/>
+          </a:prstGeom>
+        </p:spPr>
+        <p:style>
+          <a:lnRef idx="2">
+            <a:schemeClr val="accent1">
+              <a:shade val="50000"/>
+            </a:schemeClr>
+          </a:lnRef>
+          <a:fillRef idx="1">
+            <a:schemeClr val="accent1"/>
+          </a:fillRef>
+          <a:effectRef idx="0">
+            <a:schemeClr val="accent1"/>
+          </a:effectRef>
+          <a:fontRef idx="minor">
+            <a:schemeClr val="lt1"/>
+          </a:fontRef>
+        </p:style>
+        <p:txBody>
+          <a:bodyPr rtlCol="0" anchor="ctr"/>
+          <a:lstStyle/>
+          <a:p>
+            <a:pPr algn="ctr"/>
+            <a:r>
+              <a:rPr lang="en-US" altLang="zh-CN" dirty="0" smtClean="0"/>
+              <a:t>DB</a:t>
+            </a:r>
+            <a:endParaRPr lang="zh-CN" altLang="en-US" dirty="0"/>
+          </a:p>
+        </p:txBody>
+      </p:sp>
+      <p:cxnSp>
+        <p:nvCxnSpPr>
+          <p:cNvPr id="22" name="直接箭头连接符 21"/>
+          <p:cNvCxnSpPr>
+            <a:stCxn id="19" idx="2"/>
+            <a:endCxn id="20" idx="0"/>
+          </p:cNvCxnSpPr>
+          <p:nvPr/>
+        </p:nvCxnSpPr>
+        <p:spPr>
+          <a:xfrm flipH="1">
+            <a:off x="5653845" y="3562066"/>
+            <a:ext cx="1" cy="597087"/>
+          </a:xfrm>
+          <a:prstGeom prst="straightConnector1">
+            <a:avLst/>
+          </a:prstGeom>
+          <a:ln>
+            <a:tailEnd type="triangle"/>
+          </a:ln>
+        </p:spPr>
+        <p:style>
+          <a:lnRef idx="1">
+            <a:schemeClr val="accent1"/>
+          </a:lnRef>
+          <a:fillRef idx="0">
+            <a:schemeClr val="accent1"/>
+          </a:fillRef>
+          <a:effectRef idx="0">
+            <a:schemeClr val="accent1"/>
+          </a:effectRef>
+          <a:fontRef idx="minor">
+            <a:schemeClr val="tx1"/>
+          </a:fontRef>
+        </p:style>
+      </p:cxnSp>
+      <p:cxnSp>
+        <p:nvCxnSpPr>
+          <p:cNvPr id="23" name="直接箭头连接符 22"/>
+          <p:cNvCxnSpPr>
+            <a:stCxn id="20" idx="2"/>
+            <a:endCxn id="21" idx="1"/>
+          </p:cNvCxnSpPr>
+          <p:nvPr/>
+        </p:nvCxnSpPr>
+        <p:spPr>
+          <a:xfrm flipH="1">
+            <a:off x="5653844" y="4841542"/>
+            <a:ext cx="1" cy="569792"/>
+          </a:xfrm>
+          <a:prstGeom prst="straightConnector1">
+            <a:avLst/>
+          </a:prstGeom>
+          <a:ln>
+            <a:tailEnd type="triangle"/>
+          </a:ln>
+        </p:spPr>
+        <p:style>
+          <a:lnRef idx="1">
+            <a:schemeClr val="accent1"/>
+          </a:lnRef>
+          <a:fillRef idx="0">
+            <a:schemeClr val="accent1"/>
+          </a:fillRef>
+          <a:effectRef idx="0">
+            <a:schemeClr val="accent1"/>
+          </a:effectRef>
+          <a:fontRef idx="minor">
+            <a:schemeClr val="tx1"/>
+          </a:fontRef>
+        </p:style>
+      </p:cxnSp>
+      <p:sp>
+        <p:nvSpPr>
+          <p:cNvPr id="24" name="矩形 23"/>
+          <p:cNvSpPr/>
+          <p:nvPr/>
+        </p:nvSpPr>
+        <p:spPr>
+          <a:xfrm>
+            <a:off x="6619402" y="2784143"/>
+            <a:ext cx="1497612" cy="777923"/>
+          </a:xfrm>
+          <a:prstGeom prst="rect">
+            <a:avLst/>
+          </a:prstGeom>
+        </p:spPr>
+        <p:style>
+          <a:lnRef idx="2">
+            <a:schemeClr val="accent1">
+              <a:shade val="50000"/>
+            </a:schemeClr>
+          </a:lnRef>
+          <a:fillRef idx="1">
+            <a:schemeClr val="accent1"/>
+          </a:fillRef>
+          <a:effectRef idx="0">
+            <a:schemeClr val="accent1"/>
+          </a:effectRef>
+          <a:fontRef idx="minor">
+            <a:schemeClr val="lt1"/>
+          </a:fontRef>
+        </p:style>
+        <p:txBody>
+          <a:bodyPr rtlCol="0" anchor="ctr"/>
+          <a:lstStyle/>
+          <a:p>
+            <a:pPr algn="ctr"/>
+            <a:r>
+              <a:rPr lang="en-US" altLang="zh-CN" dirty="0" smtClean="0"/>
+              <a:t>Trade </a:t>
+            </a:r>
+            <a:r>
+              <a:rPr lang="zh-CN" altLang="en-US" dirty="0" smtClean="0"/>
+              <a:t>服务</a:t>
+            </a:r>
+            <a:endParaRPr lang="zh-CN" altLang="en-US" dirty="0"/>
+          </a:p>
+        </p:txBody>
+      </p:sp>
+      <p:sp>
+        <p:nvSpPr>
+          <p:cNvPr id="25" name="圆角矩形 24"/>
+          <p:cNvSpPr/>
+          <p:nvPr/>
+        </p:nvSpPr>
+        <p:spPr>
+          <a:xfrm>
+            <a:off x="6832221" y="4159153"/>
+            <a:ext cx="1071971" cy="682389"/>
+          </a:xfrm>
+          <a:prstGeom prst="roundRect">
+            <a:avLst/>
+          </a:prstGeom>
+        </p:spPr>
+        <p:style>
+          <a:lnRef idx="2">
+            <a:schemeClr val="accent1">
+              <a:shade val="50000"/>
+            </a:schemeClr>
+          </a:lnRef>
+          <a:fillRef idx="1">
+            <a:schemeClr val="accent1"/>
+          </a:fillRef>
+          <a:effectRef idx="0">
+            <a:schemeClr val="accent1"/>
+          </a:effectRef>
+          <a:fontRef idx="minor">
+            <a:schemeClr val="lt1"/>
+          </a:fontRef>
+        </p:style>
+        <p:txBody>
+          <a:bodyPr rtlCol="0" anchor="ctr"/>
+          <a:lstStyle/>
+          <a:p>
+            <a:pPr algn="ctr"/>
+            <a:r>
+              <a:rPr lang="en-US" altLang="zh-CN" dirty="0"/>
+              <a:t>cache</a:t>
+            </a:r>
+            <a:endParaRPr lang="zh-CN" altLang="en-US" dirty="0"/>
+          </a:p>
+        </p:txBody>
+      </p:sp>
+      <p:sp>
+        <p:nvSpPr>
+          <p:cNvPr id="26" name="流程图: 磁盘 25"/>
+          <p:cNvSpPr/>
+          <p:nvPr/>
+        </p:nvSpPr>
+        <p:spPr>
+          <a:xfrm>
+            <a:off x="6725809" y="5411334"/>
+            <a:ext cx="1284793" cy="736979"/>
+          </a:xfrm>
+          <a:prstGeom prst="flowChartMagneticDisk">
+            <a:avLst/>
+          </a:prstGeom>
+        </p:spPr>
+        <p:style>
+          <a:lnRef idx="2">
+            <a:schemeClr val="accent1">
+              <a:shade val="50000"/>
+            </a:schemeClr>
+          </a:lnRef>
+          <a:fillRef idx="1">
+            <a:schemeClr val="accent1"/>
+          </a:fillRef>
+          <a:effectRef idx="0">
+            <a:schemeClr val="accent1"/>
+          </a:effectRef>
+          <a:fontRef idx="minor">
+            <a:schemeClr val="lt1"/>
+          </a:fontRef>
+        </p:style>
+        <p:txBody>
+          <a:bodyPr rtlCol="0" anchor="ctr"/>
+          <a:lstStyle/>
+          <a:p>
+            <a:pPr algn="ctr"/>
+            <a:r>
+              <a:rPr lang="en-US" altLang="zh-CN" dirty="0" smtClean="0"/>
+              <a:t>DB</a:t>
+            </a:r>
+            <a:endParaRPr lang="zh-CN" altLang="en-US" dirty="0"/>
+          </a:p>
+        </p:txBody>
+      </p:sp>
+      <p:cxnSp>
+        <p:nvCxnSpPr>
+          <p:cNvPr id="27" name="直接箭头连接符 26"/>
+          <p:cNvCxnSpPr>
+            <a:stCxn id="24" idx="2"/>
+            <a:endCxn id="25" idx="0"/>
+          </p:cNvCxnSpPr>
+          <p:nvPr/>
+        </p:nvCxnSpPr>
+        <p:spPr>
+          <a:xfrm flipH="1">
+            <a:off x="7368207" y="3562066"/>
+            <a:ext cx="1" cy="597087"/>
+          </a:xfrm>
+          <a:prstGeom prst="straightConnector1">
+            <a:avLst/>
+          </a:prstGeom>
+          <a:ln>
+            <a:tailEnd type="triangle"/>
+          </a:ln>
+        </p:spPr>
+        <p:style>
+          <a:lnRef idx="1">
+            <a:schemeClr val="accent1"/>
+          </a:lnRef>
+          <a:fillRef idx="0">
+            <a:schemeClr val="accent1"/>
+          </a:fillRef>
+          <a:effectRef idx="0">
+            <a:schemeClr val="accent1"/>
+          </a:effectRef>
+          <a:fontRef idx="minor">
+            <a:schemeClr val="tx1"/>
+          </a:fontRef>
+        </p:style>
+      </p:cxnSp>
+      <p:cxnSp>
+        <p:nvCxnSpPr>
+          <p:cNvPr id="28" name="直接箭头连接符 27"/>
+          <p:cNvCxnSpPr>
+            <a:stCxn id="25" idx="2"/>
+            <a:endCxn id="26" idx="1"/>
+          </p:cNvCxnSpPr>
+          <p:nvPr/>
+        </p:nvCxnSpPr>
+        <p:spPr>
+          <a:xfrm flipH="1">
+            <a:off x="7368206" y="4841542"/>
+            <a:ext cx="1" cy="569792"/>
+          </a:xfrm>
+          <a:prstGeom prst="straightConnector1">
+            <a:avLst/>
+          </a:prstGeom>
+          <a:ln>
+            <a:tailEnd type="triangle"/>
+          </a:ln>
+        </p:spPr>
+        <p:style>
+          <a:lnRef idx="1">
+            <a:schemeClr val="accent1"/>
+          </a:lnRef>
+          <a:fillRef idx="0">
+            <a:schemeClr val="accent1"/>
+          </a:fillRef>
+          <a:effectRef idx="0">
+            <a:schemeClr val="accent1"/>
+          </a:effectRef>
+          <a:fontRef idx="minor">
+            <a:schemeClr val="tx1"/>
+          </a:fontRef>
+        </p:style>
+      </p:cxnSp>
+      <p:sp>
+        <p:nvSpPr>
+          <p:cNvPr id="29" name="矩形 28"/>
+          <p:cNvSpPr/>
+          <p:nvPr/>
+        </p:nvSpPr>
+        <p:spPr>
+          <a:xfrm>
+            <a:off x="8333763" y="2784143"/>
+            <a:ext cx="1497612" cy="777923"/>
+          </a:xfrm>
+          <a:prstGeom prst="rect">
+            <a:avLst/>
+          </a:prstGeom>
+        </p:spPr>
+        <p:style>
+          <a:lnRef idx="2">
+            <a:schemeClr val="accent1">
+              <a:shade val="50000"/>
+            </a:schemeClr>
+          </a:lnRef>
+          <a:fillRef idx="1">
+            <a:schemeClr val="accent1"/>
+          </a:fillRef>
+          <a:effectRef idx="0">
+            <a:schemeClr val="accent1"/>
+          </a:effectRef>
+          <a:fontRef idx="minor">
+            <a:schemeClr val="lt1"/>
+          </a:fontRef>
+        </p:style>
+        <p:txBody>
+          <a:bodyPr rtlCol="0" anchor="ctr"/>
+          <a:lstStyle/>
+          <a:p>
+            <a:pPr algn="ctr"/>
+            <a:r>
+              <a:rPr lang="en-US" altLang="zh-CN" dirty="0" smtClean="0"/>
+              <a:t>Trade </a:t>
+            </a:r>
+            <a:r>
+              <a:rPr lang="zh-CN" altLang="en-US" dirty="0" smtClean="0"/>
+              <a:t>服务</a:t>
+            </a:r>
+            <a:endParaRPr lang="zh-CN" altLang="en-US" dirty="0"/>
+          </a:p>
+        </p:txBody>
+      </p:sp>
+      <p:sp>
+        <p:nvSpPr>
+          <p:cNvPr id="30" name="圆角矩形 29"/>
+          <p:cNvSpPr/>
+          <p:nvPr/>
+        </p:nvSpPr>
+        <p:spPr>
+          <a:xfrm>
+            <a:off x="8546582" y="4159153"/>
+            <a:ext cx="1071971" cy="682389"/>
+          </a:xfrm>
+          <a:prstGeom prst="roundRect">
+            <a:avLst/>
+          </a:prstGeom>
+        </p:spPr>
+        <p:style>
+          <a:lnRef idx="2">
+            <a:schemeClr val="accent1">
+              <a:shade val="50000"/>
+            </a:schemeClr>
+          </a:lnRef>
+          <a:fillRef idx="1">
+            <a:schemeClr val="accent1"/>
+          </a:fillRef>
+          <a:effectRef idx="0">
+            <a:schemeClr val="accent1"/>
+          </a:effectRef>
+          <a:fontRef idx="minor">
+            <a:schemeClr val="lt1"/>
+          </a:fontRef>
+        </p:style>
+        <p:txBody>
+          <a:bodyPr rtlCol="0" anchor="ctr"/>
+          <a:lstStyle/>
+          <a:p>
+            <a:pPr algn="ctr"/>
+            <a:r>
+              <a:rPr lang="en-US" altLang="zh-CN" dirty="0"/>
+              <a:t>cache</a:t>
+            </a:r>
+            <a:endParaRPr lang="zh-CN" altLang="en-US" dirty="0"/>
+          </a:p>
+        </p:txBody>
+      </p:sp>
+      <p:sp>
+        <p:nvSpPr>
+          <p:cNvPr id="31" name="流程图: 磁盘 30"/>
+          <p:cNvSpPr/>
+          <p:nvPr/>
+        </p:nvSpPr>
+        <p:spPr>
+          <a:xfrm>
+            <a:off x="8440170" y="5411334"/>
+            <a:ext cx="1284793" cy="736979"/>
+          </a:xfrm>
+          <a:prstGeom prst="flowChartMagneticDisk">
+            <a:avLst/>
+          </a:prstGeom>
+        </p:spPr>
+        <p:style>
+          <a:lnRef idx="2">
+            <a:schemeClr val="accent1">
+              <a:shade val="50000"/>
+            </a:schemeClr>
+          </a:lnRef>
+          <a:fillRef idx="1">
+            <a:schemeClr val="accent1"/>
+          </a:fillRef>
+          <a:effectRef idx="0">
+            <a:schemeClr val="accent1"/>
+          </a:effectRef>
+          <a:fontRef idx="minor">
+            <a:schemeClr val="lt1"/>
+          </a:fontRef>
+        </p:style>
+        <p:txBody>
+          <a:bodyPr rtlCol="0" anchor="ctr"/>
+          <a:lstStyle/>
+          <a:p>
+            <a:pPr algn="ctr"/>
+            <a:r>
+              <a:rPr lang="en-US" altLang="zh-CN" dirty="0" smtClean="0"/>
+              <a:t>DB</a:t>
+            </a:r>
+            <a:endParaRPr lang="zh-CN" altLang="en-US" dirty="0"/>
+          </a:p>
+        </p:txBody>
+      </p:sp>
+      <p:cxnSp>
+        <p:nvCxnSpPr>
+          <p:cNvPr id="32" name="直接箭头连接符 31"/>
+          <p:cNvCxnSpPr>
+            <a:stCxn id="29" idx="2"/>
+            <a:endCxn id="30" idx="0"/>
+          </p:cNvCxnSpPr>
+          <p:nvPr/>
+        </p:nvCxnSpPr>
+        <p:spPr>
+          <a:xfrm flipH="1">
+            <a:off x="9082568" y="3562066"/>
+            <a:ext cx="1" cy="597087"/>
+          </a:xfrm>
+          <a:prstGeom prst="straightConnector1">
+            <a:avLst/>
+          </a:prstGeom>
+          <a:ln>
+            <a:tailEnd type="triangle"/>
+          </a:ln>
+        </p:spPr>
+        <p:style>
+          <a:lnRef idx="1">
+            <a:schemeClr val="accent1"/>
+          </a:lnRef>
+          <a:fillRef idx="0">
+            <a:schemeClr val="accent1"/>
+          </a:fillRef>
+          <a:effectRef idx="0">
+            <a:schemeClr val="accent1"/>
+          </a:effectRef>
+          <a:fontRef idx="minor">
+            <a:schemeClr val="tx1"/>
+          </a:fontRef>
+        </p:style>
+      </p:cxnSp>
+      <p:cxnSp>
+        <p:nvCxnSpPr>
+          <p:cNvPr id="33" name="直接箭头连接符 32"/>
+          <p:cNvCxnSpPr>
+            <a:stCxn id="30" idx="2"/>
+            <a:endCxn id="31" idx="1"/>
+          </p:cNvCxnSpPr>
+          <p:nvPr/>
+        </p:nvCxnSpPr>
+        <p:spPr>
+          <a:xfrm flipH="1">
+            <a:off x="9082567" y="4841542"/>
+            <a:ext cx="1" cy="569792"/>
+          </a:xfrm>
+          <a:prstGeom prst="straightConnector1">
+            <a:avLst/>
+          </a:prstGeom>
+          <a:ln>
+            <a:tailEnd type="triangle"/>
+          </a:ln>
+        </p:spPr>
+        <p:style>
+          <a:lnRef idx="1">
+            <a:schemeClr val="accent1"/>
+          </a:lnRef>
+          <a:fillRef idx="0">
+            <a:schemeClr val="accent1"/>
+          </a:fillRef>
+          <a:effectRef idx="0">
+            <a:schemeClr val="accent1"/>
+          </a:effectRef>
+          <a:fontRef idx="minor">
+            <a:schemeClr val="tx1"/>
+          </a:fontRef>
+        </p:style>
+      </p:cxnSp>
+      <p:cxnSp>
+        <p:nvCxnSpPr>
+          <p:cNvPr id="38" name="直接箭头连接符 37"/>
+          <p:cNvCxnSpPr>
+            <a:stCxn id="3" idx="4"/>
+            <a:endCxn id="19" idx="0"/>
+          </p:cNvCxnSpPr>
+          <p:nvPr/>
+        </p:nvCxnSpPr>
+        <p:spPr>
+          <a:xfrm flipH="1">
+            <a:off x="5653846" y="1865117"/>
+            <a:ext cx="859492" cy="919026"/>
+          </a:xfrm>
+          <a:prstGeom prst="straightConnector1">
+            <a:avLst/>
+          </a:prstGeom>
+          <a:ln>
+            <a:tailEnd type="triangle"/>
+          </a:ln>
+        </p:spPr>
+        <p:style>
+          <a:lnRef idx="1">
+            <a:schemeClr val="accent1"/>
+          </a:lnRef>
+          <a:fillRef idx="0">
+            <a:schemeClr val="accent1"/>
+          </a:fillRef>
+          <a:effectRef idx="0">
+            <a:schemeClr val="accent1"/>
+          </a:effectRef>
+          <a:fontRef idx="minor">
+            <a:schemeClr val="tx1"/>
+          </a:fontRef>
+        </p:style>
+      </p:cxnSp>
+      <p:cxnSp>
+        <p:nvCxnSpPr>
+          <p:cNvPr id="40" name="直接箭头连接符 39"/>
+          <p:cNvCxnSpPr>
+            <a:stCxn id="3" idx="4"/>
+            <a:endCxn id="24" idx="0"/>
+          </p:cNvCxnSpPr>
+          <p:nvPr/>
+        </p:nvCxnSpPr>
+        <p:spPr>
+          <a:xfrm>
+            <a:off x="6513338" y="1865117"/>
+            <a:ext cx="854870" cy="919026"/>
+          </a:xfrm>
+          <a:prstGeom prst="straightConnector1">
+            <a:avLst/>
+          </a:prstGeom>
+          <a:ln>
+            <a:tailEnd type="triangle"/>
+          </a:ln>
+        </p:spPr>
+        <p:style>
+          <a:lnRef idx="1">
+            <a:schemeClr val="accent1"/>
+          </a:lnRef>
+          <a:fillRef idx="0">
+            <a:schemeClr val="accent1"/>
+          </a:fillRef>
+          <a:effectRef idx="0">
+            <a:schemeClr val="accent1"/>
+          </a:effectRef>
+          <a:fontRef idx="minor">
+            <a:schemeClr val="tx1"/>
+          </a:fontRef>
+        </p:style>
+      </p:cxnSp>
+      <p:cxnSp>
+        <p:nvCxnSpPr>
+          <p:cNvPr id="42" name="直接箭头连接符 41"/>
+          <p:cNvCxnSpPr>
+            <a:stCxn id="3" idx="4"/>
+            <a:endCxn id="29" idx="0"/>
+          </p:cNvCxnSpPr>
+          <p:nvPr/>
+        </p:nvCxnSpPr>
+        <p:spPr>
+          <a:xfrm>
+            <a:off x="6513338" y="1865117"/>
+            <a:ext cx="2569231" cy="919026"/>
+          </a:xfrm>
+          <a:prstGeom prst="straightConnector1">
+            <a:avLst/>
+          </a:prstGeom>
+          <a:ln>
+            <a:tailEnd type="triangle"/>
+          </a:ln>
+        </p:spPr>
+        <p:style>
+          <a:lnRef idx="1">
+            <a:schemeClr val="accent1"/>
+          </a:lnRef>
+          <a:fillRef idx="0">
+            <a:schemeClr val="accent1"/>
+          </a:fillRef>
+          <a:effectRef idx="0">
+            <a:schemeClr val="accent1"/>
+          </a:effectRef>
+          <a:fontRef idx="minor">
+            <a:schemeClr val="tx1"/>
+          </a:fontRef>
+        </p:style>
+      </p:cxnSp>
+    </p:spTree>
+    <p:extLst>
+      <p:ext uri="{BB962C8B-B14F-4D97-AF65-F5344CB8AC3E}">
+        <p14:creationId xmlns:p14="http://schemas.microsoft.com/office/powerpoint/2010/main" val="1634774218"/>
+      </p:ext>
+    </p:extLst>
+  </p:cSld>
+  <p:clrMapOvr>
+    <a:masterClrMapping/>
+  </p:clrMapOvr>
+</p:sld>
+</file>
+
+<file path=ppt/slides/slide3.xml><?xml version="1.0" encoding="utf-8"?>
+<p:sld xmlns:a="http://schemas.openxmlformats.org/drawingml/2006/main" xmlns:r="http://schemas.openxmlformats.org/officeDocument/2006/relationships" xmlns:p="http://schemas.openxmlformats.org/presentationml/2006/main">
+  <p:cSld>
+    <p:spTree>
+      <p:nvGrpSpPr>
+        <p:cNvPr id="1" name=""/>
+        <p:cNvGrpSpPr/>
+        <p:nvPr/>
+      </p:nvGrpSpPr>
+      <p:grpSpPr>
+        <a:xfrm>
+          <a:off x="0" y="0"/>
+          <a:ext cx="0" cy="0"/>
+          <a:chOff x="0" y="0"/>
+          <a:chExt cx="0" cy="0"/>
+        </a:xfrm>
+      </p:grpSpPr>
+      <p:grpSp>
+        <p:nvGrpSpPr>
+          <p:cNvPr id="12" name="组合 11">
+            <a:extLst>
+              <a:ext uri="{FF2B5EF4-FFF2-40B4-BE49-F238E27FC236}">
+                <a16:creationId xmlns:a16="http://schemas.microsoft.com/office/drawing/2014/main" id="{33AA2E62-398D-DE4C-B2DF-D5D273268D70}"/>
+              </a:ext>
+            </a:extLst>
+          </p:cNvPr>
+          <p:cNvGrpSpPr/>
+          <p:nvPr/>
+        </p:nvGrpSpPr>
+        <p:grpSpPr>
+          <a:xfrm>
+            <a:off x="880740" y="2805836"/>
+            <a:ext cx="2731165" cy="1174447"/>
+            <a:chOff x="1865521" y="2764893"/>
+            <a:chExt cx="2731165" cy="1174447"/>
+          </a:xfrm>
+        </p:grpSpPr>
+        <p:pic>
+          <p:nvPicPr>
+            <p:cNvPr id="5" name="图形 4" descr="用户">
+              <a:extLst>
+                <a:ext uri="{FF2B5EF4-FFF2-40B4-BE49-F238E27FC236}">
+                  <a16:creationId xmlns:a16="http://schemas.microsoft.com/office/drawing/2014/main" id="{846A5676-4693-AB4D-8F88-7422B15695DB}"/>
+                </a:ext>
+              </a:extLst>
+            </p:cNvPr>
+            <p:cNvPicPr>
+              <a:picLocks noChangeAspect="1"/>
+            </p:cNvPicPr>
+            <p:nvPr/>
+          </p:nvPicPr>
+          <p:blipFill>
+            <a:blip r:embed="rId2">
+              <a:extLst>
+                <a:ext uri="{96DAC541-7B7A-43D3-8B79-37D633B846F1}">
+                  <asvg:svgBlip xmlns:asvg="http://schemas.microsoft.com/office/drawing/2016/SVG/main" xmlns="" r:embed="rId3"/>
+                </a:ext>
+              </a:extLst>
+            </a:blip>
+            <a:stretch>
+              <a:fillRect/>
+            </a:stretch>
+          </p:blipFill>
+          <p:spPr>
+            <a:xfrm>
+              <a:off x="1865521" y="2764893"/>
+              <a:ext cx="1174447" cy="1174447"/>
+            </a:xfrm>
+            <a:prstGeom prst="rect">
+              <a:avLst/>
+            </a:prstGeom>
+          </p:spPr>
+        </p:pic>
+        <p:cxnSp>
+          <p:nvCxnSpPr>
+            <p:cNvPr id="8" name="直线箭头连接符 7">
+              <a:extLst>
+                <a:ext uri="{FF2B5EF4-FFF2-40B4-BE49-F238E27FC236}">
+                  <a16:creationId xmlns:a16="http://schemas.microsoft.com/office/drawing/2014/main" id="{07381B28-00C3-634B-96AB-24002CF7D6B3}"/>
+                </a:ext>
+              </a:extLst>
+            </p:cNvPr>
+            <p:cNvCxnSpPr>
+              <a:cxnSpLocks/>
+              <a:stCxn id="5" idx="3"/>
+            </p:cNvCxnSpPr>
+            <p:nvPr/>
+          </p:nvCxnSpPr>
+          <p:spPr>
+            <a:xfrm>
+              <a:off x="3039968" y="3352117"/>
+              <a:ext cx="1556718" cy="1"/>
+            </a:xfrm>
+            <a:prstGeom prst="straightConnector1">
+              <a:avLst/>
+            </a:prstGeom>
+            <a:ln>
+              <a:tailEnd type="triangle"/>
+            </a:ln>
+          </p:spPr>
+          <p:style>
+            <a:lnRef idx="3">
+              <a:schemeClr val="dk1"/>
+            </a:lnRef>
+            <a:fillRef idx="0">
+              <a:schemeClr val="dk1"/>
+            </a:fillRef>
+            <a:effectRef idx="2">
+              <a:schemeClr val="dk1"/>
+            </a:effectRef>
+            <a:fontRef idx="minor">
+              <a:schemeClr val="tx1"/>
+            </a:fontRef>
+          </p:style>
+        </p:cxnSp>
+        <p:sp>
+          <p:nvSpPr>
+            <p:cNvPr id="11" name="文本框 10">
+              <a:extLst>
+                <a:ext uri="{FF2B5EF4-FFF2-40B4-BE49-F238E27FC236}">
+                  <a16:creationId xmlns:a16="http://schemas.microsoft.com/office/drawing/2014/main" id="{AD800DD7-A5A4-784A-851E-7120E11B81D5}"/>
+                </a:ext>
+              </a:extLst>
+            </p:cNvPr>
+            <p:cNvSpPr txBox="1"/>
+            <p:nvPr/>
+          </p:nvSpPr>
+          <p:spPr>
+            <a:xfrm>
+              <a:off x="3495161" y="2965965"/>
+              <a:ext cx="646331" cy="369332"/>
+            </a:xfrm>
+            <a:prstGeom prst="rect">
+              <a:avLst/>
+            </a:prstGeom>
+            <a:noFill/>
+          </p:spPr>
+          <p:txBody>
+            <a:bodyPr wrap="none" rtlCol="0">
+              <a:spAutoFit/>
+            </a:bodyPr>
+            <a:lstStyle/>
+            <a:p>
+              <a:r>
+                <a:rPr kumimoji="1" lang="zh-CN" altLang="en-US" dirty="0" smtClean="0"/>
+                <a:t>请求</a:t>
+              </a:r>
+              <a:endParaRPr kumimoji="1" lang="zh-CN" altLang="en-US" dirty="0"/>
+            </a:p>
+          </p:txBody>
+        </p:sp>
+      </p:grpSp>
+      <p:sp>
+        <p:nvSpPr>
+          <p:cNvPr id="3" name="椭圆 2"/>
+          <p:cNvSpPr/>
+          <p:nvPr/>
+        </p:nvSpPr>
+        <p:spPr>
+          <a:xfrm>
+            <a:off x="3611905" y="2914783"/>
+            <a:ext cx="1709741" cy="956555"/>
+          </a:xfrm>
+          <a:prstGeom prst="ellipse">
+            <a:avLst/>
+          </a:prstGeom>
+        </p:spPr>
+        <p:style>
+          <a:lnRef idx="2">
+            <a:schemeClr val="accent1">
+              <a:shade val="50000"/>
+            </a:schemeClr>
+          </a:lnRef>
+          <a:fillRef idx="1">
+            <a:schemeClr val="accent1"/>
+          </a:fillRef>
+          <a:effectRef idx="0">
+            <a:schemeClr val="accent1"/>
+          </a:effectRef>
+          <a:fontRef idx="minor">
+            <a:schemeClr val="lt1"/>
+          </a:fontRef>
+        </p:style>
+        <p:txBody>
+          <a:bodyPr rtlCol="0" anchor="ctr"/>
+          <a:lstStyle/>
+          <a:p>
+            <a:pPr algn="ctr"/>
+            <a:r>
+              <a:rPr lang="en-US" altLang="zh-CN" dirty="0" err="1" smtClean="0"/>
+              <a:t>zuul</a:t>
+            </a:r>
+            <a:endParaRPr lang="zh-CN" altLang="en-US" dirty="0"/>
+          </a:p>
+        </p:txBody>
+      </p:sp>
+      <p:sp>
+        <p:nvSpPr>
+          <p:cNvPr id="34" name="椭圆 33"/>
+          <p:cNvSpPr/>
+          <p:nvPr/>
+        </p:nvSpPr>
+        <p:spPr>
+          <a:xfrm>
+            <a:off x="8939176" y="2984013"/>
+            <a:ext cx="1709741" cy="956555"/>
+          </a:xfrm>
+          <a:prstGeom prst="ellipse">
+            <a:avLst/>
+          </a:prstGeom>
+        </p:spPr>
+        <p:style>
+          <a:lnRef idx="2">
+            <a:schemeClr val="accent1">
+              <a:shade val="50000"/>
+            </a:schemeClr>
+          </a:lnRef>
+          <a:fillRef idx="1">
+            <a:schemeClr val="accent1"/>
+          </a:fillRef>
+          <a:effectRef idx="0">
+            <a:schemeClr val="accent1"/>
+          </a:effectRef>
+          <a:fontRef idx="minor">
+            <a:schemeClr val="lt1"/>
+          </a:fontRef>
+        </p:style>
+        <p:txBody>
+          <a:bodyPr rtlCol="0" anchor="ctr"/>
+          <a:lstStyle/>
+          <a:p>
+            <a:pPr algn="ctr"/>
+            <a:r>
+              <a:rPr lang="zh-CN" altLang="en-US" dirty="0"/>
+              <a:t>微服务</a:t>
+            </a:r>
+          </a:p>
+        </p:txBody>
+      </p:sp>
+      <p:sp>
+        <p:nvSpPr>
+          <p:cNvPr id="35" name="椭圆 34"/>
+          <p:cNvSpPr/>
+          <p:nvPr/>
+        </p:nvSpPr>
+        <p:spPr>
+          <a:xfrm>
+            <a:off x="6275540" y="1058353"/>
+            <a:ext cx="1709741" cy="956555"/>
+          </a:xfrm>
+          <a:prstGeom prst="ellipse">
+            <a:avLst/>
+          </a:prstGeom>
+        </p:spPr>
+        <p:style>
+          <a:lnRef idx="2">
+            <a:schemeClr val="accent1">
+              <a:shade val="50000"/>
+            </a:schemeClr>
+          </a:lnRef>
+          <a:fillRef idx="1">
+            <a:schemeClr val="accent1"/>
+          </a:fillRef>
+          <a:effectRef idx="0">
+            <a:schemeClr val="accent1"/>
+          </a:effectRef>
+          <a:fontRef idx="minor">
+            <a:schemeClr val="lt1"/>
+          </a:fontRef>
+        </p:style>
+        <p:txBody>
+          <a:bodyPr rtlCol="0" anchor="ctr"/>
+          <a:lstStyle/>
+          <a:p>
+            <a:pPr algn="ctr"/>
+            <a:r>
+              <a:rPr lang="zh-CN" altLang="en-US" dirty="0" smtClean="0"/>
+              <a:t>授权中心</a:t>
+            </a:r>
+            <a:endParaRPr lang="zh-CN" altLang="en-US" dirty="0"/>
+          </a:p>
+        </p:txBody>
+      </p:sp>
+      <p:sp>
+        <p:nvSpPr>
+          <p:cNvPr id="36" name="椭圆 35"/>
+          <p:cNvSpPr/>
+          <p:nvPr/>
+        </p:nvSpPr>
+        <p:spPr>
+          <a:xfrm>
+            <a:off x="6275540" y="4512556"/>
+            <a:ext cx="1709741" cy="956555"/>
+          </a:xfrm>
+          <a:prstGeom prst="ellipse">
+            <a:avLst/>
+          </a:prstGeom>
+        </p:spPr>
+        <p:style>
+          <a:lnRef idx="2">
+            <a:schemeClr val="accent1">
+              <a:shade val="50000"/>
+            </a:schemeClr>
+          </a:lnRef>
+          <a:fillRef idx="1">
+            <a:schemeClr val="accent1"/>
+          </a:fillRef>
+          <a:effectRef idx="0">
+            <a:schemeClr val="accent1"/>
+          </a:effectRef>
+          <a:fontRef idx="minor">
+            <a:schemeClr val="lt1"/>
+          </a:fontRef>
+        </p:style>
+        <p:txBody>
+          <a:bodyPr rtlCol="0" anchor="ctr"/>
+          <a:lstStyle/>
+          <a:p>
+            <a:pPr algn="ctr"/>
+            <a:r>
+              <a:rPr lang="en-US" altLang="zh-CN" dirty="0" smtClean="0"/>
+              <a:t>Eureka</a:t>
+            </a:r>
+            <a:r>
+              <a:rPr lang="zh-CN" altLang="en-US" dirty="0" smtClean="0"/>
+              <a:t>注册中心</a:t>
+            </a:r>
+            <a:endParaRPr lang="zh-CN" altLang="en-US" dirty="0"/>
+          </a:p>
+        </p:txBody>
+      </p:sp>
+      <p:cxnSp>
+        <p:nvCxnSpPr>
+          <p:cNvPr id="10" name="直接箭头连接符 9"/>
+          <p:cNvCxnSpPr>
+            <a:stCxn id="3" idx="0"/>
+            <a:endCxn id="35" idx="4"/>
+          </p:cNvCxnSpPr>
+          <p:nvPr/>
+        </p:nvCxnSpPr>
+        <p:spPr>
+          <a:xfrm flipV="1">
+            <a:off x="4466776" y="2014908"/>
+            <a:ext cx="2663635" cy="899875"/>
+          </a:xfrm>
+          <a:prstGeom prst="straightConnector1">
+            <a:avLst/>
+          </a:prstGeom>
+          <a:ln>
+            <a:tailEnd type="triangle"/>
+          </a:ln>
+        </p:spPr>
+        <p:style>
+          <a:lnRef idx="1">
+            <a:schemeClr val="accent1"/>
+          </a:lnRef>
+          <a:fillRef idx="0">
+            <a:schemeClr val="accent1"/>
+          </a:fillRef>
+          <a:effectRef idx="0">
+            <a:schemeClr val="accent1"/>
+          </a:effectRef>
+          <a:fontRef idx="minor">
+            <a:schemeClr val="tx1"/>
+          </a:fontRef>
+        </p:style>
+      </p:cxnSp>
+      <p:cxnSp>
+        <p:nvCxnSpPr>
+          <p:cNvPr id="16" name="肘形连接符 15"/>
+          <p:cNvCxnSpPr>
+            <a:stCxn id="35" idx="2"/>
+            <a:endCxn id="3" idx="0"/>
+          </p:cNvCxnSpPr>
+          <p:nvPr/>
+        </p:nvCxnSpPr>
+        <p:spPr>
+          <a:xfrm rot="10800000" flipV="1">
+            <a:off x="4466776" y="1536631"/>
+            <a:ext cx="1808764" cy="1378152"/>
+          </a:xfrm>
+          <a:prstGeom prst="bentConnector2">
+            <a:avLst/>
+          </a:prstGeom>
+          <a:ln>
+            <a:tailEnd type="triangle"/>
+          </a:ln>
+        </p:spPr>
+        <p:style>
+          <a:lnRef idx="1">
+            <a:schemeClr val="accent1"/>
+          </a:lnRef>
+          <a:fillRef idx="0">
+            <a:schemeClr val="accent1"/>
+          </a:fillRef>
+          <a:effectRef idx="0">
+            <a:schemeClr val="accent1"/>
+          </a:effectRef>
+          <a:fontRef idx="minor">
+            <a:schemeClr val="tx1"/>
+          </a:fontRef>
+        </p:style>
+      </p:cxnSp>
+      <p:cxnSp>
+        <p:nvCxnSpPr>
+          <p:cNvPr id="37" name="直接箭头连接符 36"/>
+          <p:cNvCxnSpPr>
+            <a:stCxn id="3" idx="6"/>
+            <a:endCxn id="34" idx="2"/>
+          </p:cNvCxnSpPr>
+          <p:nvPr/>
+        </p:nvCxnSpPr>
+        <p:spPr>
+          <a:xfrm>
+            <a:off x="5321646" y="3393061"/>
+            <a:ext cx="3617530" cy="69230"/>
+          </a:xfrm>
+          <a:prstGeom prst="straightConnector1">
+            <a:avLst/>
+          </a:prstGeom>
+          <a:ln>
+            <a:tailEnd type="triangle"/>
+          </a:ln>
+        </p:spPr>
+        <p:style>
+          <a:lnRef idx="1">
+            <a:schemeClr val="accent1"/>
+          </a:lnRef>
+          <a:fillRef idx="0">
+            <a:schemeClr val="accent1"/>
+          </a:fillRef>
+          <a:effectRef idx="0">
+            <a:schemeClr val="accent1"/>
+          </a:effectRef>
+          <a:fontRef idx="minor">
+            <a:schemeClr val="tx1"/>
+          </a:fontRef>
+        </p:style>
+      </p:cxnSp>
+      <p:cxnSp>
+        <p:nvCxnSpPr>
+          <p:cNvPr id="41" name="直接箭头连接符 40"/>
+          <p:cNvCxnSpPr>
+            <a:stCxn id="34" idx="4"/>
+            <a:endCxn id="36" idx="6"/>
+          </p:cNvCxnSpPr>
+          <p:nvPr/>
+        </p:nvCxnSpPr>
+        <p:spPr>
+          <a:xfrm flipH="1">
+            <a:off x="7985281" y="3940568"/>
+            <a:ext cx="1808766" cy="1050266"/>
+          </a:xfrm>
+          <a:prstGeom prst="straightConnector1">
+            <a:avLst/>
+          </a:prstGeom>
+          <a:ln>
+            <a:tailEnd type="triangle"/>
+          </a:ln>
+        </p:spPr>
+        <p:style>
+          <a:lnRef idx="1">
+            <a:schemeClr val="accent1"/>
+          </a:lnRef>
+          <a:fillRef idx="0">
+            <a:schemeClr val="accent1"/>
+          </a:fillRef>
+          <a:effectRef idx="0">
+            <a:schemeClr val="accent1"/>
+          </a:effectRef>
+          <a:fontRef idx="minor">
+            <a:schemeClr val="tx1"/>
+          </a:fontRef>
+        </p:style>
+      </p:cxnSp>
+      <p:cxnSp>
+        <p:nvCxnSpPr>
+          <p:cNvPr id="44" name="直接箭头连接符 43"/>
+          <p:cNvCxnSpPr>
+            <a:stCxn id="36" idx="2"/>
+            <a:endCxn id="3" idx="4"/>
+          </p:cNvCxnSpPr>
+          <p:nvPr/>
+        </p:nvCxnSpPr>
+        <p:spPr>
+          <a:xfrm flipH="1" flipV="1">
+            <a:off x="4466776" y="3871338"/>
+            <a:ext cx="1808764" cy="1119496"/>
+          </a:xfrm>
+          <a:prstGeom prst="straightConnector1">
+            <a:avLst/>
+          </a:prstGeom>
+          <a:ln>
+            <a:tailEnd type="triangle"/>
+          </a:ln>
+        </p:spPr>
+        <p:style>
+          <a:lnRef idx="1">
+            <a:schemeClr val="accent1"/>
+          </a:lnRef>
+          <a:fillRef idx="0">
+            <a:schemeClr val="accent1"/>
+          </a:fillRef>
+          <a:effectRef idx="0">
+            <a:schemeClr val="accent1"/>
+          </a:effectRef>
+          <a:fontRef idx="minor">
+            <a:schemeClr val="tx1"/>
+          </a:fontRef>
+        </p:style>
+      </p:cxnSp>
+      <p:sp>
+        <p:nvSpPr>
+          <p:cNvPr id="49" name="文本框 48"/>
+          <p:cNvSpPr txBox="1"/>
+          <p:nvPr/>
+        </p:nvSpPr>
+        <p:spPr>
+          <a:xfrm>
+            <a:off x="4186989" y="1058353"/>
+            <a:ext cx="1323474" cy="369332"/>
+          </a:xfrm>
+          <a:prstGeom prst="rect">
+            <a:avLst/>
+          </a:prstGeom>
+          <a:noFill/>
+        </p:spPr>
+        <p:txBody>
+          <a:bodyPr wrap="square" rtlCol="0">
+            <a:spAutoFit/>
+          </a:bodyPr>
+          <a:lstStyle/>
+          <a:p>
+            <a:r>
+              <a:rPr lang="zh-CN" altLang="en-US" dirty="0" smtClean="0"/>
+              <a:t>请求授权</a:t>
+            </a:r>
+            <a:endParaRPr lang="zh-CN" altLang="en-US" dirty="0"/>
+          </a:p>
+        </p:txBody>
+      </p:sp>
+      <p:sp>
+        <p:nvSpPr>
+          <p:cNvPr id="50" name="文本框 49"/>
+          <p:cNvSpPr txBox="1"/>
+          <p:nvPr/>
+        </p:nvSpPr>
+        <p:spPr>
+          <a:xfrm>
+            <a:off x="5321646" y="2249222"/>
+            <a:ext cx="1323474" cy="369332"/>
+          </a:xfrm>
+          <a:prstGeom prst="rect">
+            <a:avLst/>
+          </a:prstGeom>
+          <a:noFill/>
+        </p:spPr>
+        <p:txBody>
+          <a:bodyPr wrap="square" rtlCol="0">
+            <a:spAutoFit/>
+          </a:bodyPr>
+          <a:lstStyle/>
+          <a:p>
+            <a:r>
+              <a:rPr lang="zh-CN" altLang="en-US" dirty="0" smtClean="0"/>
+              <a:t>生成凭证</a:t>
+            </a:r>
+            <a:endParaRPr lang="zh-CN" altLang="en-US" dirty="0"/>
+          </a:p>
+        </p:txBody>
+      </p:sp>
+      <p:sp>
+        <p:nvSpPr>
+          <p:cNvPr id="51" name="文本框 50"/>
+          <p:cNvSpPr txBox="1"/>
+          <p:nvPr/>
+        </p:nvSpPr>
+        <p:spPr>
+          <a:xfrm>
+            <a:off x="6567698" y="3208393"/>
+            <a:ext cx="1323474" cy="369332"/>
+          </a:xfrm>
+          <a:prstGeom prst="rect">
+            <a:avLst/>
+          </a:prstGeom>
+          <a:noFill/>
+        </p:spPr>
+        <p:txBody>
+          <a:bodyPr wrap="square" rtlCol="0">
+            <a:spAutoFit/>
+          </a:bodyPr>
+          <a:lstStyle/>
+          <a:p>
+            <a:r>
+              <a:rPr lang="zh-CN" altLang="en-US" dirty="0" smtClean="0"/>
+              <a:t>携带凭证</a:t>
+            </a:r>
+            <a:endParaRPr lang="zh-CN" altLang="en-US" dirty="0"/>
+          </a:p>
+        </p:txBody>
+      </p:sp>
+      <p:sp>
+        <p:nvSpPr>
+          <p:cNvPr id="52" name="文本框 51"/>
+          <p:cNvSpPr txBox="1"/>
+          <p:nvPr/>
+        </p:nvSpPr>
+        <p:spPr>
+          <a:xfrm>
+            <a:off x="8277439" y="4288432"/>
+            <a:ext cx="1323474" cy="369332"/>
+          </a:xfrm>
+          <a:prstGeom prst="rect">
+            <a:avLst/>
+          </a:prstGeom>
+          <a:noFill/>
+        </p:spPr>
+        <p:txBody>
+          <a:bodyPr wrap="square" rtlCol="0">
+            <a:spAutoFit/>
+          </a:bodyPr>
+          <a:lstStyle/>
+          <a:p>
+            <a:r>
+              <a:rPr lang="zh-CN" altLang="en-US" dirty="0" smtClean="0"/>
+              <a:t>注册服务</a:t>
+            </a:r>
+            <a:endParaRPr lang="zh-CN" altLang="en-US" dirty="0"/>
+          </a:p>
+        </p:txBody>
+      </p:sp>
+      <p:sp>
+        <p:nvSpPr>
+          <p:cNvPr id="53" name="文本框 52"/>
+          <p:cNvSpPr txBox="1"/>
+          <p:nvPr/>
+        </p:nvSpPr>
+        <p:spPr>
+          <a:xfrm>
+            <a:off x="4864158" y="4280385"/>
+            <a:ext cx="1993842" cy="369332"/>
+          </a:xfrm>
+          <a:prstGeom prst="rect">
+            <a:avLst/>
+          </a:prstGeom>
+          <a:noFill/>
+        </p:spPr>
+        <p:txBody>
+          <a:bodyPr wrap="square" rtlCol="0">
+            <a:spAutoFit/>
+          </a:bodyPr>
+          <a:lstStyle/>
+          <a:p>
+            <a:r>
+              <a:rPr lang="zh-CN" altLang="en-US" dirty="0"/>
+              <a:t>拉</a:t>
+            </a:r>
+            <a:r>
+              <a:rPr lang="zh-CN" altLang="en-US" dirty="0" smtClean="0"/>
+              <a:t>取服务列表</a:t>
+            </a:r>
+            <a:endParaRPr lang="zh-CN" altLang="en-US" dirty="0"/>
+          </a:p>
+        </p:txBody>
+      </p:sp>
+    </p:spTree>
+    <p:extLst>
+      <p:ext uri="{BB962C8B-B14F-4D97-AF65-F5344CB8AC3E}">
+        <p14:creationId xmlns:p14="http://schemas.microsoft.com/office/powerpoint/2010/main" val="3758820908"/>
+      </p:ext>
+    </p:extLst>
+  </p:cSld>
+  <p:clrMapOvr>
+    <a:masterClrMapping/>
+  </p:clrMapOvr>
+</p:sld>
+</file>
+
+<file path=ppt/slides/slide4.xml><?xml version="1.0" encoding="utf-8"?>
+<p:sld xmlns:a="http://schemas.openxmlformats.org/drawingml/2006/main" xmlns:r="http://schemas.openxmlformats.org/officeDocument/2006/relationships" xmlns:p="http://schemas.openxmlformats.org/presentationml/2006/main">
+  <p:cSld>
+    <p:spTree>
+      <p:nvGrpSpPr>
+        <p:cNvPr id="1" name=""/>
+        <p:cNvGrpSpPr/>
+        <p:nvPr/>
+      </p:nvGrpSpPr>
+      <p:grpSpPr>
+        <a:xfrm>
+          <a:off x="0" y="0"/>
+          <a:ext cx="0" cy="0"/>
+          <a:chOff x="0" y="0"/>
+          <a:chExt cx="0" cy="0"/>
+        </a:xfrm>
+      </p:grpSpPr>
+      <p:grpSp>
+        <p:nvGrpSpPr>
           <p:cNvPr id="17" name="组合 16">
             <a:extLst>
               <a:ext uri="{FF2B5EF4-FFF2-40B4-BE49-F238E27FC236}">
@@ -3632,7 +5502,7 @@
             <a:blip r:embed="rId2">
               <a:extLst>
                 <a:ext uri="{96DAC541-7B7A-43D3-8B79-37D633B846F1}">
-                  <asvg:svgBlip xmlns:asvg="http://schemas.microsoft.com/office/drawing/2016/SVG/main" r:embed="rId3"/>
+                  <asvg:svgBlip xmlns:asvg="http://schemas.microsoft.com/office/drawing/2016/SVG/main" xmlns="" r:embed="rId3"/>
                 </a:ext>
               </a:extLst>
             </a:blip>
@@ -3868,7 +5738,7 @@
 </p:sld>
 </file>
 
-<file path=ppt/slides/slide3.xml><?xml version="1.0" encoding="utf-8"?>
+<file path=ppt/slides/slide5.xml><?xml version="1.0" encoding="utf-8"?>
 <p:sld xmlns:a="http://schemas.openxmlformats.org/drawingml/2006/main" xmlns:r="http://schemas.openxmlformats.org/officeDocument/2006/relationships" xmlns:p="http://schemas.openxmlformats.org/presentationml/2006/main">
   <p:cSld>
     <p:spTree>
@@ -3923,7 +5793,7 @@
             <a:blip r:embed="rId2">
               <a:extLst>
                 <a:ext uri="{96DAC541-7B7A-43D3-8B79-37D633B846F1}">
-                  <asvg:svgBlip xmlns:asvg="http://schemas.microsoft.com/office/drawing/2016/SVG/main" r:embed="rId3"/>
+                  <asvg:svgBlip xmlns:asvg="http://schemas.microsoft.com/office/drawing/2016/SVG/main" xmlns="" r:embed="rId3"/>
                 </a:ext>
               </a:extLst>
             </a:blip>
@@ -4583,7 +6453,7 @@
 </p:sld>
 </file>
 
-<file path=ppt/slides/slide4.xml><?xml version="1.0" encoding="utf-8"?>
+<file path=ppt/slides/slide6.xml><?xml version="1.0" encoding="utf-8"?>
 <p:sld xmlns:a="http://schemas.openxmlformats.org/drawingml/2006/main" xmlns:r="http://schemas.openxmlformats.org/officeDocument/2006/relationships" xmlns:p="http://schemas.openxmlformats.org/presentationml/2006/main">
   <p:cSld>
     <p:spTree>
@@ -4638,7 +6508,7 @@
             <a:blip r:embed="rId2">
               <a:extLst>
                 <a:ext uri="{96DAC541-7B7A-43D3-8B79-37D633B846F1}">
-                  <asvg:svgBlip xmlns:asvg="http://schemas.microsoft.com/office/drawing/2016/SVG/main" r:embed="rId3"/>
+                  <asvg:svgBlip xmlns:asvg="http://schemas.microsoft.com/office/drawing/2016/SVG/main" xmlns="" r:embed="rId3"/>
                 </a:ext>
               </a:extLst>
             </a:blip>
